--- a/Presentations/ML Accuracy + Confusion Matrix.pptx
+++ b/Presentations/ML Accuracy + Confusion Matrix.pptx
@@ -198,7 +198,7 @@
           <a:p>
             <a:fld id="{3D107EA7-2171-4F44-8749-7588FC3178D8}" type="datetimeFigureOut">
               <a:rPr lang="en-US" smtClean="0"/>
-              <a:t>7/13/2017</a:t>
+              <a:t>11/11/2017</a:t>
             </a:fld>
             <a:endParaRPr lang="en-US"/>
           </a:p>
@@ -648,7 +648,7 @@
             <a:fld id="{1D8BD707-D9CF-40AE-B4C6-C98DA3205C09}" type="datetimeFigureOut">
               <a:rPr lang="en-US" smtClean="0"/>
               <a:pPr/>
-              <a:t>7/13/2017</a:t>
+              <a:t>11/11/2017</a:t>
             </a:fld>
             <a:endParaRPr lang="en-US"/>
           </a:p>
@@ -815,7 +815,7 @@
             <a:fld id="{1D8BD707-D9CF-40AE-B4C6-C98DA3205C09}" type="datetimeFigureOut">
               <a:rPr lang="en-US" smtClean="0"/>
               <a:pPr/>
-              <a:t>7/13/2017</a:t>
+              <a:t>11/11/2017</a:t>
             </a:fld>
             <a:endParaRPr lang="en-US"/>
           </a:p>
@@ -992,7 +992,7 @@
             <a:fld id="{1D8BD707-D9CF-40AE-B4C6-C98DA3205C09}" type="datetimeFigureOut">
               <a:rPr lang="en-US" smtClean="0"/>
               <a:pPr/>
-              <a:t>7/13/2017</a:t>
+              <a:t>11/11/2017</a:t>
             </a:fld>
             <a:endParaRPr lang="en-US"/>
           </a:p>
@@ -1159,7 +1159,7 @@
             <a:fld id="{1D8BD707-D9CF-40AE-B4C6-C98DA3205C09}" type="datetimeFigureOut">
               <a:rPr lang="en-US" smtClean="0"/>
               <a:pPr/>
-              <a:t>7/13/2017</a:t>
+              <a:t>11/11/2017</a:t>
             </a:fld>
             <a:endParaRPr lang="en-US"/>
           </a:p>
@@ -1402,7 +1402,7 @@
             <a:fld id="{1D8BD707-D9CF-40AE-B4C6-C98DA3205C09}" type="datetimeFigureOut">
               <a:rPr lang="en-US" smtClean="0"/>
               <a:pPr/>
-              <a:t>7/13/2017</a:t>
+              <a:t>11/11/2017</a:t>
             </a:fld>
             <a:endParaRPr lang="en-US"/>
           </a:p>
@@ -1687,7 +1687,7 @@
             <a:fld id="{1D8BD707-D9CF-40AE-B4C6-C98DA3205C09}" type="datetimeFigureOut">
               <a:rPr lang="en-US" smtClean="0"/>
               <a:pPr/>
-              <a:t>7/13/2017</a:t>
+              <a:t>11/11/2017</a:t>
             </a:fld>
             <a:endParaRPr lang="en-US"/>
           </a:p>
@@ -2106,7 +2106,7 @@
             <a:fld id="{1D8BD707-D9CF-40AE-B4C6-C98DA3205C09}" type="datetimeFigureOut">
               <a:rPr lang="en-US" smtClean="0"/>
               <a:pPr/>
-              <a:t>7/13/2017</a:t>
+              <a:t>11/11/2017</a:t>
             </a:fld>
             <a:endParaRPr lang="en-US"/>
           </a:p>
@@ -2221,7 +2221,7 @@
             <a:fld id="{1D8BD707-D9CF-40AE-B4C6-C98DA3205C09}" type="datetimeFigureOut">
               <a:rPr lang="en-US" smtClean="0"/>
               <a:pPr/>
-              <a:t>7/13/2017</a:t>
+              <a:t>11/11/2017</a:t>
             </a:fld>
             <a:endParaRPr lang="en-US"/>
           </a:p>
@@ -2313,7 +2313,7 @@
             <a:fld id="{1D8BD707-D9CF-40AE-B4C6-C98DA3205C09}" type="datetimeFigureOut">
               <a:rPr lang="en-US" smtClean="0"/>
               <a:pPr/>
-              <a:t>7/13/2017</a:t>
+              <a:t>11/11/2017</a:t>
             </a:fld>
             <a:endParaRPr lang="en-US"/>
           </a:p>
@@ -2587,7 +2587,7 @@
             <a:fld id="{1D8BD707-D9CF-40AE-B4C6-C98DA3205C09}" type="datetimeFigureOut">
               <a:rPr lang="en-US" smtClean="0"/>
               <a:pPr/>
-              <a:t>7/13/2017</a:t>
+              <a:t>11/11/2017</a:t>
             </a:fld>
             <a:endParaRPr lang="en-US"/>
           </a:p>
@@ -2837,7 +2837,7 @@
             <a:fld id="{1D8BD707-D9CF-40AE-B4C6-C98DA3205C09}" type="datetimeFigureOut">
               <a:rPr lang="en-US" smtClean="0"/>
               <a:pPr/>
-              <a:t>7/13/2017</a:t>
+              <a:t>11/11/2017</a:t>
             </a:fld>
             <a:endParaRPr lang="en-US"/>
           </a:p>
@@ -3047,7 +3047,7 @@
             <a:fld id="{1D8BD707-D9CF-40AE-B4C6-C98DA3205C09}" type="datetimeFigureOut">
               <a:rPr lang="en-US" smtClean="0"/>
               <a:pPr/>
-              <a:t>7/13/2017</a:t>
+              <a:t>11/11/2017</a:t>
             </a:fld>
             <a:endParaRPr lang="en-US"/>
           </a:p>
@@ -3475,7 +3475,7 @@
                   </a:schemeClr>
                 </a:solidFill>
               </a:rPr>
-              <a:t>Portland Data Science </a:t>
+              <a:t>Artificial Intelligence Training</a:t>
             </a:r>
             <a:r>
               <a:rPr lang="en-US" sz="2400" dirty="0">
@@ -3485,7 +3485,7 @@
                   </a:schemeClr>
                 </a:solidFill>
               </a:rPr>
-              <a:t>Group</a:t>
+              <a:t/>
             </a:r>
             <a:br>
               <a:rPr lang="en-US" sz="2400" dirty="0">
@@ -3517,7 +3517,7 @@
               <a:t>Ferlitsch</a:t>
             </a:r>
             <a:r>
-              <a:rPr lang="en-US" sz="2400" dirty="0">
+              <a:rPr lang="en-US" sz="2400">
                 <a:solidFill>
                   <a:schemeClr val="accent1">
                     <a:lumMod val="75000"/>
@@ -3527,7 +3527,7 @@
               <a:t/>
             </a:r>
             <a:br>
-              <a:rPr lang="en-US" sz="2400" dirty="0">
+              <a:rPr lang="en-US" sz="2400">
                 <a:solidFill>
                   <a:schemeClr val="accent1">
                     <a:lumMod val="75000"/>
@@ -3536,35 +3536,31 @@
               </a:rPr>
             </a:br>
             <a:r>
-              <a:rPr lang="en-US" sz="2400" dirty="0">
+              <a:rPr lang="en-US" sz="2400" smtClean="0">
                 <a:solidFill>
                   <a:schemeClr val="accent1">
                     <a:lumMod val="75000"/>
                   </a:schemeClr>
                 </a:solidFill>
               </a:rPr>
-              <a:t>Community Outreach </a:t>
-            </a:r>
-            <a:r>
-              <a:rPr lang="en-US" sz="2400" dirty="0" smtClean="0">
+              <a:t>Instructor</a:t>
+            </a:r>
+            <a:br>
+              <a:rPr lang="en-US" sz="2400" smtClean="0">
                 <a:solidFill>
                   <a:schemeClr val="accent1">
                     <a:lumMod val="75000"/>
                   </a:schemeClr>
                 </a:solidFill>
               </a:rPr>
-              <a:t>Officer</a:t>
-            </a:r>
-            <a:r>
-              <a:rPr lang="en-US" sz="2400" dirty="0" smtClean="0"/>
-              <a:t/>
-            </a:r>
-            <a:br>
-              <a:rPr lang="en-US" sz="2400" dirty="0" smtClean="0"/>
             </a:br>
             <a:r>
+              <a:rPr lang="en-US" sz="1800" smtClean="0"/>
+              <a:t>July</a:t>
+            </a:r>
+            <a:r>
               <a:rPr lang="en-US" sz="1800" dirty="0" smtClean="0"/>
-              <a:t>July, 2017</a:t>
+              <a:t>, 2017</a:t>
             </a:r>
             <a:endParaRPr lang="en-US" sz="1800" dirty="0"/>
           </a:p>
@@ -4899,13 +4895,6 @@
               </a:rPr>
               <a:t>             on the background, not the object in the image.</a:t>
             </a:r>
-            <a:endParaRPr lang="en-US" sz="2400" b="1" dirty="0" smtClean="0">
-              <a:solidFill>
-                <a:schemeClr val="accent6">
-                  <a:lumMod val="75000"/>
-                </a:schemeClr>
-              </a:solidFill>
-            </a:endParaRPr>
           </a:p>
         </p:txBody>
       </p:sp>
@@ -5078,13 +5067,6 @@
               </a:rPr>
               <a:t>   model.</a:t>
             </a:r>
-            <a:endParaRPr lang="en-US" sz="2800" b="1" dirty="0" smtClean="0">
-              <a:solidFill>
-                <a:schemeClr val="accent5">
-                  <a:lumMod val="75000"/>
-                </a:schemeClr>
-              </a:solidFill>
-            </a:endParaRPr>
           </a:p>
           <a:p>
             <a:endParaRPr lang="en-US" sz="2800" b="1" dirty="0" smtClean="0">
